--- a/MAKAIS BDD PRESENTATION.pptx
+++ b/MAKAIS BDD PRESENTATION.pptx
@@ -31706,7 +31706,7 @@
           <a:p>
             <a:fld id="{5825234A-CE0C-43DA-AE00-6FAFE3E8BE74}" type="datetimeFigureOut">
               <a:rPr lang="en-NG" smtClean="0"/>
-              <a:t>26/01/2025</a:t>
+              <a:t>03/04/2025</a:t>
             </a:fld>
             <a:endParaRPr lang="en-NG"/>
           </a:p>
@@ -32228,7 +32228,7 @@
           <a:p>
             <a:fld id="{48A87A34-81AB-432B-8DAE-1953F412C126}" type="datetimeFigureOut">
               <a:rPr lang="en-US" dirty="0"/>
-              <a:t>1/26/2025</a:t>
+              <a:t>4/3/2025</a:t>
             </a:fld>
             <a:endParaRPr lang="en-US" dirty="0"/>
           </a:p>
@@ -32490,7 +32490,7 @@
           <a:p>
             <a:fld id="{48A87A34-81AB-432B-8DAE-1953F412C126}" type="datetimeFigureOut">
               <a:rPr lang="en-US" dirty="0"/>
-              <a:t>1/26/2025</a:t>
+              <a:t>4/3/2025</a:t>
             </a:fld>
             <a:endParaRPr lang="en-US" dirty="0"/>
           </a:p>
@@ -32717,7 +32717,7 @@
             <a:fld id="{48A87A34-81AB-432B-8DAE-1953F412C126}" type="datetimeFigureOut">
               <a:rPr lang="en-US" dirty="0"/>
               <a:pPr/>
-              <a:t>1/26/2025</a:t>
+              <a:t>4/3/2025</a:t>
             </a:fld>
             <a:endParaRPr lang="en-US" dirty="0"/>
           </a:p>
@@ -33023,7 +33023,7 @@
             <a:fld id="{48A87A34-81AB-432B-8DAE-1953F412C126}" type="datetimeFigureOut">
               <a:rPr lang="en-US" dirty="0"/>
               <a:pPr/>
-              <a:t>1/26/2025</a:t>
+              <a:t>4/3/2025</a:t>
             </a:fld>
             <a:endParaRPr lang="en-US" dirty="0"/>
           </a:p>
@@ -33492,7 +33492,7 @@
             <a:fld id="{48A87A34-81AB-432B-8DAE-1953F412C126}" type="datetimeFigureOut">
               <a:rPr lang="en-US" dirty="0"/>
               <a:pPr/>
-              <a:t>1/26/2025</a:t>
+              <a:t>4/3/2025</a:t>
             </a:fld>
             <a:endParaRPr lang="en-US" dirty="0"/>
           </a:p>
@@ -34034,7 +34034,7 @@
           <a:p>
             <a:fld id="{48A87A34-81AB-432B-8DAE-1953F412C126}" type="datetimeFigureOut">
               <a:rPr lang="en-US" dirty="0"/>
-              <a:t>1/26/2025</a:t>
+              <a:t>4/3/2025</a:t>
             </a:fld>
             <a:endParaRPr lang="en-US" dirty="0"/>
           </a:p>
@@ -34803,7 +34803,7 @@
           <a:p>
             <a:fld id="{48A87A34-81AB-432B-8DAE-1953F412C126}" type="datetimeFigureOut">
               <a:rPr lang="en-US" dirty="0"/>
-              <a:t>1/26/2025</a:t>
+              <a:t>4/3/2025</a:t>
             </a:fld>
             <a:endParaRPr lang="en-US" dirty="0"/>
           </a:p>
@@ -34973,7 +34973,7 @@
           <a:p>
             <a:fld id="{48A87A34-81AB-432B-8DAE-1953F412C126}" type="datetimeFigureOut">
               <a:rPr lang="en-US" dirty="0"/>
-              <a:t>1/26/2025</a:t>
+              <a:t>4/3/2025</a:t>
             </a:fld>
             <a:endParaRPr lang="en-US" dirty="0"/>
           </a:p>
@@ -35192,7 +35192,7 @@
             <a:fld id="{48A87A34-81AB-432B-8DAE-1953F412C126}" type="datetimeFigureOut">
               <a:rPr lang="en-US" dirty="0"/>
               <a:pPr/>
-              <a:t>1/26/2025</a:t>
+              <a:t>4/3/2025</a:t>
             </a:fld>
             <a:endParaRPr lang="en-US" dirty="0"/>
           </a:p>
@@ -35367,7 +35367,7 @@
           <a:p>
             <a:fld id="{48A87A34-81AB-432B-8DAE-1953F412C126}" type="datetimeFigureOut">
               <a:rPr lang="en-US" dirty="0"/>
-              <a:t>1/26/2025</a:t>
+              <a:t>4/3/2025</a:t>
             </a:fld>
             <a:endParaRPr lang="en-US" dirty="0"/>
           </a:p>
@@ -35652,7 +35652,7 @@
             <a:fld id="{48A87A34-81AB-432B-8DAE-1953F412C126}" type="datetimeFigureOut">
               <a:rPr lang="en-US" dirty="0"/>
               <a:pPr/>
-              <a:t>1/26/2025</a:t>
+              <a:t>4/3/2025</a:t>
             </a:fld>
             <a:endParaRPr lang="en-US" dirty="0"/>
           </a:p>
@@ -35889,7 +35889,7 @@
           <a:p>
             <a:fld id="{48A87A34-81AB-432B-8DAE-1953F412C126}" type="datetimeFigureOut">
               <a:rPr lang="en-US" dirty="0"/>
-              <a:t>1/26/2025</a:t>
+              <a:t>4/3/2025</a:t>
             </a:fld>
             <a:endParaRPr lang="en-US" dirty="0"/>
           </a:p>
@@ -36263,7 +36263,7 @@
           <a:p>
             <a:fld id="{48A87A34-81AB-432B-8DAE-1953F412C126}" type="datetimeFigureOut">
               <a:rPr lang="en-US" dirty="0"/>
-              <a:t>1/26/2025</a:t>
+              <a:t>4/3/2025</a:t>
             </a:fld>
             <a:endParaRPr lang="en-US" dirty="0"/>
           </a:p>
@@ -36376,7 +36376,7 @@
           <a:p>
             <a:fld id="{48A87A34-81AB-432B-8DAE-1953F412C126}" type="datetimeFigureOut">
               <a:rPr lang="en-US" dirty="0"/>
-              <a:t>1/26/2025</a:t>
+              <a:t>4/3/2025</a:t>
             </a:fld>
             <a:endParaRPr lang="en-US" dirty="0"/>
           </a:p>
@@ -36466,7 +36466,7 @@
           <a:p>
             <a:fld id="{48A87A34-81AB-432B-8DAE-1953F412C126}" type="datetimeFigureOut">
               <a:rPr lang="en-US" dirty="0"/>
-              <a:t>1/26/2025</a:t>
+              <a:t>4/3/2025</a:t>
             </a:fld>
             <a:endParaRPr lang="en-US" dirty="0"/>
           </a:p>
@@ -36710,7 +36710,7 @@
           <a:p>
             <a:fld id="{48A87A34-81AB-432B-8DAE-1953F412C126}" type="datetimeFigureOut">
               <a:rPr lang="en-US" dirty="0"/>
-              <a:t>1/26/2025</a:t>
+              <a:t>4/3/2025</a:t>
             </a:fld>
             <a:endParaRPr lang="en-US" dirty="0"/>
           </a:p>
@@ -36962,7 +36962,7 @@
           <a:p>
             <a:fld id="{48A87A34-81AB-432B-8DAE-1953F412C126}" type="datetimeFigureOut">
               <a:rPr lang="en-US" dirty="0"/>
-              <a:t>1/26/2025</a:t>
+              <a:t>4/3/2025</a:t>
             </a:fld>
             <a:endParaRPr lang="en-US" dirty="0"/>
           </a:p>
@@ -37201,7 +37201,7 @@
             <a:fld id="{48A87A34-81AB-432B-8DAE-1953F412C126}" type="datetimeFigureOut">
               <a:rPr lang="en-US" dirty="0"/>
               <a:pPr/>
-              <a:t>1/26/2025</a:t>
+              <a:t>4/3/2025</a:t>
             </a:fld>
             <a:endParaRPr lang="en-US" dirty="0"/>
           </a:p>
@@ -38023,7 +38023,12 @@
             <p:ph type="ctrTitle"/>
           </p:nvPr>
         </p:nvSpPr>
-        <p:spPr/>
+        <p:spPr>
+          <a:xfrm>
+            <a:off x="1134534" y="-67728"/>
+            <a:ext cx="9448800" cy="922861"/>
+          </a:xfrm>
+        </p:spPr>
         <p:txBody>
           <a:bodyPr/>
           <a:lstStyle/>
@@ -38037,38 +38042,72 @@
           </a:p>
         </p:txBody>
       </p:sp>
-      <p:sp>
-        <p:nvSpPr>
-          <p:cNvPr id="5" name="Subtitle 4">
-            <a:extLst>
-              <a:ext uri="{FF2B5EF4-FFF2-40B4-BE49-F238E27FC236}">
-                <a16:creationId xmlns:a16="http://schemas.microsoft.com/office/drawing/2014/main" id="{AC078731-3F32-ED16-E297-9AF9755FA08C}"/>
-              </a:ext>
-            </a:extLst>
-          </p:cNvPr>
-          <p:cNvSpPr>
-            <a:spLocks noGrp="1"/>
-          </p:cNvSpPr>
-          <p:nvPr>
-            <p:ph type="subTitle" idx="1"/>
-          </p:nvPr>
-        </p:nvSpPr>
-        <p:spPr/>
-        <p:txBody>
-          <a:bodyPr/>
-          <a:lstStyle/>
-          <a:p>
-            <a:pPr algn="ctr"/>
-            <a:r>
-              <a:rPr lang="en-US" dirty="0">
-                <a:hlinkClick r:id="rId2"/>
-              </a:rPr>
-              <a:t>POWERBI INTERACTIVE DASHBOARD </a:t>
-            </a:r>
-            <a:endParaRPr lang="en-NG" dirty="0"/>
-          </a:p>
-        </p:txBody>
-      </p:sp>
+      <mc:AlternateContent xmlns:mc="http://schemas.openxmlformats.org/markup-compatibility/2006">
+        <mc:Choice xmlns:we="http://schemas.microsoft.com/office/webextensions/webextension/2010/11" xmlns:pca="http://schemas.microsoft.com/office/powerpoint/2013/contentapp" Requires="we pca">
+          <p:graphicFrame>
+            <p:nvGraphicFramePr>
+              <p:cNvPr id="2" name="Add-in 1">
+                <a:extLst>
+                  <a:ext uri="{FF2B5EF4-FFF2-40B4-BE49-F238E27FC236}">
+                    <a16:creationId xmlns:a16="http://schemas.microsoft.com/office/drawing/2014/main" id="{F8120B6E-ABAB-07A8-79ED-A7CA34AA68C3}"/>
+                  </a:ext>
+                </a:extLst>
+              </p:cNvPr>
+              <p:cNvGraphicFramePr>
+                <a:graphicFrameLocks noGrp="1"/>
+              </p:cNvGraphicFramePr>
+              <p:nvPr>
+                <p:extLst>
+                  <p:ext uri="{D42A27DB-BD31-4B8C-83A1-F6EECF244321}">
+                    <p14:modId xmlns:p14="http://schemas.microsoft.com/office/powerpoint/2010/main" val="2923646658"/>
+                  </p:ext>
+                </p:extLst>
+              </p:nvPr>
+            </p:nvGraphicFramePr>
+            <p:xfrm>
+              <a:off x="880533" y="753533"/>
+              <a:ext cx="10176933" cy="6104467"/>
+            </p:xfrm>
+            <a:graphic>
+              <a:graphicData uri="http://schemas.microsoft.com/office/webextensions/webextension/2010/11">
+                <we:webextensionref xmlns:we="http://schemas.microsoft.com/office/webextensions/webextension/2010/11" xmlns:r="http://schemas.openxmlformats.org/officeDocument/2006/relationships" r:id="rId2"/>
+              </a:graphicData>
+            </a:graphic>
+          </p:graphicFrame>
+        </mc:Choice>
+        <mc:Fallback>
+          <p:pic>
+            <p:nvPicPr>
+              <p:cNvPr id="2" name="Add-in 1">
+                <a:extLst>
+                  <a:ext uri="{FF2B5EF4-FFF2-40B4-BE49-F238E27FC236}">
+                    <a16:creationId xmlns:a16="http://schemas.microsoft.com/office/drawing/2014/main" id="{F8120B6E-ABAB-07A8-79ED-A7CA34AA68C3}"/>
+                  </a:ext>
+                </a:extLst>
+              </p:cNvPr>
+              <p:cNvPicPr>
+                <a:picLocks noGrp="1" noRot="1" noChangeAspect="1" noMove="1" noResize="1" noEditPoints="1" noAdjustHandles="1" noChangeArrowheads="1" noChangeShapeType="1"/>
+              </p:cNvPicPr>
+              <p:nvPr/>
+            </p:nvPicPr>
+            <p:blipFill>
+              <a:blip r:embed="rId3"/>
+              <a:stretch>
+                <a:fillRect/>
+              </a:stretch>
+            </p:blipFill>
+            <p:spPr>
+              <a:xfrm>
+                <a:off x="880533" y="753533"/>
+                <a:ext cx="10176933" cy="6104467"/>
+              </a:xfrm>
+              <a:prstGeom prst="rect">
+                <a:avLst/>
+              </a:prstGeom>
+            </p:spPr>
+          </p:pic>
+        </mc:Fallback>
+      </mc:AlternateContent>
     </p:spTree>
     <p:extLst>
       <p:ext uri="{BB962C8B-B14F-4D97-AF65-F5344CB8AC3E}">
@@ -42288,4 +42327,35 @@
     </a:ext>
   </a:extLst>
 </a:theme>
+</file>
+
+<file path=ppt/webextensions/webextension1.xml><?xml version="1.0" encoding="utf-8"?>
+<we:webextension xmlns:we="http://schemas.microsoft.com/office/webextensions/webextension/2010/11" id="{124CFF2E-A009-44E9-AC16-18C7518D75B5}">
+  <we:reference id="wa200003233" version="2.0.0.3" store="en-US" storeType="OMEX"/>
+  <we:alternateReferences>
+    <we:reference id="WA200003233" version="2.0.0.3" store="WA200003233" storeType="OMEX"/>
+  </we:alternateReferences>
+  <we:properties>
+    <we:property name="pptInsertionSessionID" value="&quot;AFCA8E3E-7B8E-4106-9551-E07ED8786227&quot;"/>
+    <we:property name="reportUrl" value="&quot;/groups/me/reports/41b11fb9-d2a5-49d8-a4cc-d8849b7539b9/ea2747c6abd62e038888?bookmarkGuid=2834edee-50a7-4bf4-9cf7-48129a54a700&amp;bookmarkUsage=1&amp;ctid=29e86b5e-5d07-4a14-ad44-ab9476e0da87&amp;fromEntryPoint=export&amp;pbi_source=storytelling_addin&quot;"/>
+    <we:property name="reportName" value="&quot;MAKAIS VISUALS&quot;"/>
+    <we:property name="reportState" value="&quot;CONNECTED&quot;"/>
+    <we:property name="embedUrl" value="&quot;/reportEmbed?reportId=41b11fb9-d2a5-49d8-a4cc-d8849b7539b9&amp;config=eyJjbHVzdGVyVXJsIjoiaHR0cHM6Ly9XQUJJLVNPVVRILUFGUklDQS1OT1JUSC1BLVBSSU1BUlktcmVkaXJlY3QuYW5hbHlzaXMud2luZG93cy5uZXQiLCJlbWJlZEZlYXR1cmVzIjp7InVzYWdlTWV0cmljc1ZOZXh0Ijp0cnVlfX0%3D&amp;disableSensitivityBanner=true&quot;"/>
+    <we:property name="pageName" value="&quot;ea2747c6abd62e038888&quot;"/>
+    <we:property name="pageDisplayName" value="&quot;Overview&quot;"/>
+    <we:property name="datasetId" value="&quot;b2152ac1-2a66-4595-9a6b-f6ed1012db77&quot;"/>
+    <we:property name="backgroundColor" value="&quot;#F4F4F4&quot;"/>
+    <we:property name="bookmark" value="&quot;H4sIAAAAAAAAA+1a3XPiNhD/Vxi/XDtDO7b8qbwRcFqmCcmBL51MJw+ytAbfGZv6Ixea4X/vWjbkjpDA5XqpSeAFWVqv9rdfWkm+U0SYzSI2H7ApKEfKcZJ8mrL0U0tT2kpc9ZnE4JSaBpicU7Ac2+QqjiazPEziTDm6U3KWjiG/DLOCRSUj7Pzruq2wKLpg4/IpYFEGbWUGaZbELAr/gYoYh/K0gEVbgdtZlKSsZDnKWQ4l2xskx2cUQftVxxkZz8MbGAHPq15gxDZsbjFfWARU3cEfkmUVgZRsI0nJWk7fTeKchTFOU/YZmqY7QjDmmJalmwA2pWV/EEZ5TeLP3dtZiugQ83xWKqcjbljMQSgSQgpZJfGd0k2iYipb7lf9o6RIOQwhkENxHuZzZHPW+aPTH7U8d9Bzh62R1/E+jFpE1ZzWL/hHDGWBOrpIE9SgpL9yO0PZN0k+d1NAhQnlSF1cY08WxuOo1u89VK8SN4tCDmlpPf8jqkmCmgJar2wIljOJbVZNFEI1ngg5DBL6nXIaojoq3pcsKkq2745ZFvJ3KBH+rku5KluhxB+/sIYkz+QUL6IelAT7Ldu3HXRioJQZYNuW6UNT7drreG5r6Hbf9R5YV1u0t0v3e4imSflkfgo3ED2UcjX+cGgpxSVLwyoOJaL/FGmdZVZTKE+B/0JWpYc6aN13lMM1QuUKWLohFO6V1cWucZKGHH32oC/lfcFS9PuDynZX2RmuE5MnFXYIyHtt9dj8ebrqjMcpjCs5HoD8sXm3Juy5o+6wf+H1zweS4qSI62LD3FdEH4adEk5rDY/2jOKBIW13gtnjq/rhscW+ziFzuaq+wTBYJo2qCFE11VAJDRxCKDg+sbjFtxYhT6XhH+s9F6cd7+R8eFbCdvuX7sNyZF/8/1siemsEiCQu8o0hkKQC0uPK2XthutyjkPYauIZrZHG9SzS/vO9VQURMU6W+rgFVLYP7FDSnyUFUE3pXF+4hfEqgPCoyNBSIY5Yeouglna/eCYNjOrqgmq2Bqumqqapsb+Pnfzvr6OEbIvkcy+OOthJm/fgGOYAYQVTZ+mw7l/LYqzHHJZt8BXxGKVBDtU2bO0RznEbn2u5p3x14jXWTRph5paPawtT2LUp8EJpp+JwY3FIbbOFdStJmGPtV5ITHqzCgASUB2JpGdN3SLQ24s9VvmljjdM8H3rDT9fqD31oYGH3vqvXTCKA1SHBTR35eW9fJvpVwX6TEPUZxOJnZpbBmqaiH9q+ifsxPqyxoaKpq2boeQMB1jeo+PjZ4lTru92qqN7Hl2wVRGuaTKeShLB9PIcj3AucwHE+kpCOObwr3hm04tmw8Cil8eRtfPpzjuyxPMFL0Z+SYnPkRuLfPTjAHN2iiG1RJ1tQIEQJMxokKxHKCgItSrKcdAm5zP1lzCFm40gB0gb9A45w4jPHA2MotnDKswh/wIiZ1dNOnjFDL0Q1dtQnZmv69ZDZAVhWNrJqXX5KgW56kyVQS14f+WeH/XUA6V9Y9drQcwPb7ZeMpTtOSxc6GbCsVcrU8Laq2CbuX9cs7EJzzW4va1W1HEEIklHL28xcrEr5D7k2HbGjoqr1UJilXpO83x58TSKG2RizCJeD+Grxv2Id9D/ASaJl8H2e68uF69/jCZy87mO61F0Jbl8+giGPYx/J8Xw68d4gjmSiEBhauKZpvqKrta6oJfPtnfm96Ran3Zw1dOHb1z1exVqxOcJu+JDx2HP8GM//h1vMFF4GvrziIISzKNZ8D2IxaJterD4ee/sxJSn5c5HkSr29IJNdNdwdJkWczxuGCxbDhDgE9nMUCRN1+7AZAfie/ugJYLP4Fr8ArtJ8vAAA=&quot;"/>
+    <we:property name="initialStateBookmark" value="&quot;H4sIAAAAAAAAA+1abXPiNhD+K4y/XDtDO7b8ft8I+FrmEsiBL51MJ9ORpTX4ztjUL7nQDP+9K9kkF0ICyfVSc4EvyNJ6tc++aSX5WuFRPo/pYkBnoLxVjtL084xmn1ua0laSum84fH/SGb3/a9A58bA7nRdRmuTK22uloNkEirMoL2ksOGDnnxdthcbxKZ2Ip5DGObSVOWR5mtA4+gcqYhwqshKWbQWu5nGaUcFyXNACBNtLJMdnnFv7VccZKSuiSxgDK6peoMQ2bGbRgFsEVN3BH5LlFYGUbCOJYC2n76ZJQaMEpxF9hqbpDueUOqZl6SaA7bqiP4zioiYJFt7VPEN0iHkxF1rp8EuaMOCKhJBBXkl8rXTTuJzJlnenf5yWGYMRhHIoKaJigWxOOu87/XHL9wY9b9Qa+x3/47hFVM1p/YJ/xFCWqKPTLEUNSvpzrzOSfdP0SzcDVBhX3qrLC+zJo2QS1/q9hepX4uZxxCAT1gs+oZokqBmg9USD04JKbPNqogiq8ZTLYZDQr5XjCNVR8T6jcSnYvjmiecTeoET4uxByVbZCiT99ZQ1JnsspXkQ9KAn2W3ZgOyYxwHWpAbZtmQE01a69ju+1Rl73Te+edbVle7t0v0domoxNF8dwCfF9KW/G7w+tpDijWVTFoUT0nyKt08vNFMpj4L+SVemhDlq3HWK4RqicA802hMKtsrrYNUmziKHPHvSlfChphn5/UNnuKjvBdWL6qMIOAXmrrR5dPE9Xnckkg0klxz2Q3zfv1oQ9b9wd9U/9/nAgKd6VSV1smPuK6OOoI+C01vBozygeKNJ2p5g97tQPDy32dQ5ZyFX1FYbBKmlURYiqqYZK3NAhxAUnIBaz2NYi5LE0/H295/S4478bjk4EbK9/5t0vR/bF/58S0VsjgKdJWWwMgTTjkB1Vzt6LstUehbTXwDVcI8uLXaL55X2vCiJimqob6Bq4qmWwwAXNaXIQ1YT++al3CB8BlMVljoYCfkSzQxS9pPPVO2FwTEfnrmZroGq6aqoq3dv4+d/OOnr4Bk+/JPK4o61EeT+5RA7AxxBXtj7ZzkUcezXmuGSTr0BAXRdcQ7VNmzlEc5xG59rucd8b+I11k0aY+UZHtYVdO7BcEgDXTCNgxGCW2mAL71KSNsPYP0ROeLgKAzd0SQi2phFdt3RLA+Zs9Zsm1jjd4cAfdbp+f/BbCwOj75+3fhoDtAYpburIz2vrOtm3Eu6rlLjHKA4nM7sU1jTj9dD+VdQP+WmVBQ1NVS1b10MIma65eoCPDV6ljvq9mupVbPl2QZRFxXQGRSTLx2MIi73AOYomUynpmOGb3LukG44tG49CCi9u48XDEN+lRYqRoj8jxxQ0iMG7enaCObhBE92gSrKmRgjnYFJGVCCWE4aMC7Eedwi4KoJ0zSFk4eqGoHP8hRpjxKGUhcZWbtGMYhV+jxcxXUc3A5cS13J0Q1dtQramfz+dD5BVRSOr5tWXJOiW77J0JonrQ/+8DP4uIVso6x47Xg1g+8Oq8RinmWCxsyHbSoVcFadF1TZh97J+dQeCcz61qL257QgjiLkiZh++WJHwDXJvOmRDQ1ftlTKJWJG+3Rx/TCGD2hoJj1aA+2vwnrAP+xbgAqhIvg8zvfHhevf4wmcvO5juRy+Eti6fYZkksI/l+b4ceO8QRzJRcA0sXFO0wFBVO9BUE9j2z/xe9YpS788aunDs6p8/xFpxc4Lb9CXhoeP4V5j5D7eeL7gI3L3iIAa3XKYFDMCmrmUyvfpw6PHPnKTkR2VRpMn6hkRy3XR3kJZFPqcMTmkCG+4Q0MNpwoHX7YduAOR38tUVAooU1QG+65XBcvkvvq/wSMgvAAA=&quot;"/>
+    <we:property name="isFiltersActionButtonVisible" value="true"/>
+    <we:property name="isVisualContainerHeaderHidden" value="false"/>
+    <we:property name="reportEmbeddedTime" value="&quot;2025-04-03T18:09:51.926Z&quot;"/>
+    <we:property name="creatorTenantId" value="&quot;29e86b5e-5d07-4a14-ad44-ab9476e0da87&quot;"/>
+    <we:property name="creatorUserId" value="&quot;100320041D770708&quot;"/>
+    <we:property name="creatorSessionId" value="&quot;ef90e3d6-16ff-473c-985e-ed38a9611118&quot;"/>
+    <we:property name="artifactViewState" value="&quot;live&quot;"/>
+  </we:properties>
+  <we:bindings/>
+  <we:snapshot xmlns:r="http://schemas.openxmlformats.org/officeDocument/2006/relationships"/>
+</we:webextension>
 </file>